--- a/Documentation/poster/pres1.pptx
+++ b/Documentation/poster/pres1.pptx
@@ -219,7 +219,7 @@
             <a:fld id="{D9D26CB9-01E4-44B8-8084-BCC418CF4A2D}" type="datetimeFigureOut">
               <a:rPr lang="en-US" smtClean="0"/>
               <a:pPr/>
-              <a:t>5/15/2014</a:t>
+              <a:t>5/22/2014</a:t>
             </a:fld>
             <a:endParaRPr lang="en-US"/>
           </a:p>
@@ -447,7 +447,7 @@
             <a:fld id="{D9D26CB9-01E4-44B8-8084-BCC418CF4A2D}" type="datetimeFigureOut">
               <a:rPr lang="en-US" smtClean="0"/>
               <a:pPr/>
-              <a:t>5/15/2014</a:t>
+              <a:t>5/22/2014</a:t>
             </a:fld>
             <a:endParaRPr lang="en-US"/>
           </a:p>
@@ -624,7 +624,7 @@
             <a:fld id="{D9D26CB9-01E4-44B8-8084-BCC418CF4A2D}" type="datetimeFigureOut">
               <a:rPr lang="en-US" smtClean="0"/>
               <a:pPr/>
-              <a:t>5/15/2014</a:t>
+              <a:t>5/22/2014</a:t>
             </a:fld>
             <a:endParaRPr lang="en-US"/>
           </a:p>
@@ -791,7 +791,7 @@
             <a:fld id="{D9D26CB9-01E4-44B8-8084-BCC418CF4A2D}" type="datetimeFigureOut">
               <a:rPr lang="en-US" smtClean="0"/>
               <a:pPr/>
-              <a:t>5/15/2014</a:t>
+              <a:t>5/22/2014</a:t>
             </a:fld>
             <a:endParaRPr lang="en-US"/>
           </a:p>
@@ -1032,7 +1032,7 @@
             <a:fld id="{D9D26CB9-01E4-44B8-8084-BCC418CF4A2D}" type="datetimeFigureOut">
               <a:rPr lang="en-US" smtClean="0"/>
               <a:pPr/>
-              <a:t>5/15/2014</a:t>
+              <a:t>5/22/2014</a:t>
             </a:fld>
             <a:endParaRPr lang="en-US"/>
           </a:p>
@@ -1298,7 +1298,7 @@
             <a:fld id="{D9D26CB9-01E4-44B8-8084-BCC418CF4A2D}" type="datetimeFigureOut">
               <a:rPr lang="en-US" smtClean="0"/>
               <a:pPr/>
-              <a:t>5/15/2014</a:t>
+              <a:t>5/22/2014</a:t>
             </a:fld>
             <a:endParaRPr lang="en-US"/>
           </a:p>
@@ -1674,7 +1674,7 @@
             <a:fld id="{D9D26CB9-01E4-44B8-8084-BCC418CF4A2D}" type="datetimeFigureOut">
               <a:rPr lang="en-US" smtClean="0"/>
               <a:pPr/>
-              <a:t>5/15/2014</a:t>
+              <a:t>5/22/2014</a:t>
             </a:fld>
             <a:endParaRPr lang="en-US"/>
           </a:p>
@@ -1789,7 +1789,7 @@
             <a:fld id="{D9D26CB9-01E4-44B8-8084-BCC418CF4A2D}" type="datetimeFigureOut">
               <a:rPr lang="en-US" smtClean="0"/>
               <a:pPr/>
-              <a:t>5/15/2014</a:t>
+              <a:t>5/22/2014</a:t>
             </a:fld>
             <a:endParaRPr lang="en-US"/>
           </a:p>
@@ -1881,7 +1881,7 @@
             <a:fld id="{D9D26CB9-01E4-44B8-8084-BCC418CF4A2D}" type="datetimeFigureOut">
               <a:rPr lang="en-US" smtClean="0"/>
               <a:pPr/>
-              <a:t>5/15/2014</a:t>
+              <a:t>5/22/2014</a:t>
             </a:fld>
             <a:endParaRPr lang="en-US"/>
           </a:p>
@@ -2141,7 +2141,7 @@
             <a:fld id="{D9D26CB9-01E4-44B8-8084-BCC418CF4A2D}" type="datetimeFigureOut">
               <a:rPr lang="en-US" smtClean="0"/>
               <a:pPr/>
-              <a:t>5/15/2014</a:t>
+              <a:t>5/22/2014</a:t>
             </a:fld>
             <a:endParaRPr lang="en-US"/>
           </a:p>
@@ -2407,7 +2407,7 @@
             <a:fld id="{D9D26CB9-01E4-44B8-8084-BCC418CF4A2D}" type="datetimeFigureOut">
               <a:rPr lang="en-US" smtClean="0"/>
               <a:pPr/>
-              <a:t>5/15/2014</a:t>
+              <a:t>5/22/2014</a:t>
             </a:fld>
             <a:endParaRPr lang="en-US"/>
           </a:p>
@@ -2626,7 +2626,7 @@
             <a:fld id="{D9D26CB9-01E4-44B8-8084-BCC418CF4A2D}" type="datetimeFigureOut">
               <a:rPr lang="en-US" smtClean="0"/>
               <a:pPr/>
-              <a:t>5/15/2014</a:t>
+              <a:t>5/22/2014</a:t>
             </a:fld>
             <a:endParaRPr lang="en-US"/>
           </a:p>
@@ -3318,8 +3318,8 @@
         </p:nvSpPr>
         <p:spPr>
           <a:xfrm>
-            <a:off x="914401" y="6653775"/>
-            <a:ext cx="6462960" cy="6894173"/>
+            <a:off x="914400" y="6653774"/>
+            <a:ext cx="5867399" cy="5847716"/>
           </a:xfrm>
           <a:prstGeom prst="rect">
             <a:avLst/>
@@ -3337,7 +3337,13 @@
               <a:rPr lang="en-US" sz="3400" dirty="0">
                 <a:latin typeface="Calibri" panose="020F0502020204030204" pitchFamily="34" charset="0"/>
               </a:rPr>
-              <a:t>PSAS has been launching rockets since 1998. While the rockets technology rapidly improves, the method for tracking them has remained the same. </a:t>
+              <a:t>What good is a high tech rocket if you can’t track it</a:t>
+            </a:r>
+            <a:r>
+              <a:rPr lang="en-US" sz="3400" dirty="0" smtClean="0">
+                <a:latin typeface="Calibri" panose="020F0502020204030204" pitchFamily="34" charset="0"/>
+              </a:rPr>
+              <a:t>?</a:t>
             </a:r>
           </a:p>
           <a:p>
@@ -3352,7 +3358,7 @@
               <a:rPr lang="en-US" sz="3400" dirty="0">
                 <a:latin typeface="Calibri" panose="020F0502020204030204" pitchFamily="34" charset="0"/>
               </a:rPr>
-              <a:t>It is time to bring rocket tracking methods up to speed and automate the process.  It is time to remove the need for hand held manually controlled antennas and replace this system with an automated video tracking system.</a:t>
+              <a:t>Current tracking technology is limited by its dependence on the human eye. Automation and streamlining of tracking technology can give us more consistent and reliable data but such improvements have yet to be made.</a:t>
             </a:r>
           </a:p>
         </p:txBody>
@@ -3379,8 +3385,8 @@
         </p:blipFill>
         <p:spPr>
           <a:xfrm>
-            <a:off x="8412870" y="6653775"/>
-            <a:ext cx="5219333" cy="6959107"/>
+            <a:off x="8001000" y="6653775"/>
+            <a:ext cx="5499759" cy="7333008"/>
           </a:xfrm>
           <a:prstGeom prst="rect">
             <a:avLst/>
@@ -3395,7 +3401,7 @@
         </p:nvSpPr>
         <p:spPr>
           <a:xfrm>
-            <a:off x="914401" y="14534302"/>
+            <a:off x="1071610" y="21034981"/>
             <a:ext cx="5867400" cy="2160571"/>
           </a:xfrm>
           <a:prstGeom prst="rect">
@@ -3437,8 +3443,8 @@
         </p:nvSpPr>
         <p:spPr>
           <a:xfrm>
-            <a:off x="7377361" y="16129612"/>
-            <a:ext cx="6351482" cy="7940597"/>
+            <a:off x="7967887" y="14375476"/>
+            <a:ext cx="5532872" cy="6370936"/>
           </a:xfrm>
           <a:prstGeom prst="rect">
             <a:avLst/>
@@ -3474,34 +3480,7 @@
               <a:rPr lang="en-US" sz="3400" dirty="0">
                 <a:latin typeface="Calibri" panose="020F0502020204030204" pitchFamily="34" charset="0"/>
               </a:rPr>
-              <a:t>). The  mechanical structure was designed along with a simple manual control box. </a:t>
-            </a:r>
-          </a:p>
-          <a:p>
-            <a:pPr algn="just"/>
-            <a:endParaRPr lang="en-US" sz="3400" dirty="0">
-              <a:latin typeface="Calibri" panose="020F0502020204030204" pitchFamily="34" charset="0"/>
-            </a:endParaRPr>
-          </a:p>
-          <a:p>
-            <a:pPr algn="just"/>
-            <a:r>
-              <a:rPr lang="en-US" sz="3400" dirty="0">
-                <a:latin typeface="Calibri" panose="020F0502020204030204" pitchFamily="34" charset="0"/>
-              </a:rPr>
-              <a:t>The </a:t>
-            </a:r>
-            <a:r>
-              <a:rPr lang="en-US" sz="3400" dirty="0" err="1">
-                <a:latin typeface="Calibri" panose="020F0502020204030204" pitchFamily="34" charset="0"/>
-              </a:rPr>
-              <a:t>RocketTracks</a:t>
-            </a:r>
-            <a:r>
-              <a:rPr lang="en-US" sz="3400" dirty="0">
-                <a:latin typeface="Calibri" panose="020F0502020204030204" pitchFamily="34" charset="0"/>
-              </a:rPr>
-              <a:t> capstone team’s job was then to integrate the existing mechanical structure and motor drivers with a video tracking system (Sightline SLA1500) to enable automatic tracking capabilities. </a:t>
+              <a:t>). They designed a   mechanical structure that was used a manual control box. While this was an improvement over earlier handheld models it was still left too much room for human error. </a:t>
             </a:r>
           </a:p>
         </p:txBody>
@@ -3528,7 +3507,7 @@
         </p:blipFill>
         <p:spPr>
           <a:xfrm>
-            <a:off x="914400" y="16123630"/>
+            <a:off x="985884" y="12501490"/>
             <a:ext cx="5786390" cy="8174573"/>
           </a:xfrm>
           <a:prstGeom prst="rect">
@@ -3544,7 +3523,7 @@
         </p:nvSpPr>
         <p:spPr>
           <a:xfrm>
-            <a:off x="914400" y="25298407"/>
+            <a:off x="1134363" y="26238552"/>
             <a:ext cx="5867400" cy="2160571"/>
           </a:xfrm>
           <a:prstGeom prst="rect">
@@ -3586,7 +3565,7 @@
         </p:nvSpPr>
         <p:spPr>
           <a:xfrm>
-            <a:off x="914401" y="26711232"/>
+            <a:off x="1134363" y="27189256"/>
             <a:ext cx="12717804" cy="4801296"/>
           </a:xfrm>
           <a:prstGeom prst="rect">
@@ -3882,9 +3861,93 @@
           </a:p>
         </p:txBody>
       </p:sp>
+      <p:sp>
+        <p:nvSpPr>
+          <p:cNvPr id="22" name="TextBox 21"/>
+          <p:cNvSpPr txBox="1"/>
+          <p:nvPr/>
+        </p:nvSpPr>
+        <p:spPr>
+          <a:xfrm>
+            <a:off x="30372744" y="13245460"/>
+            <a:ext cx="12303468" cy="1123346"/>
+          </a:xfrm>
+          <a:prstGeom prst="rect">
+            <a:avLst/>
+          </a:prstGeom>
+          <a:noFill/>
+        </p:spPr>
+        <p:txBody>
+          <a:bodyPr wrap="square" lIns="91411" tIns="45701" rIns="91411" bIns="45701" rtlCol="0">
+            <a:spAutoFit/>
+          </a:bodyPr>
+          <a:lstStyle/>
+          <a:p>
+            <a:r>
+              <a:rPr lang="en-US" sz="6700" b="1" dirty="0" smtClean="0">
+                <a:solidFill>
+                  <a:srgbClr val="6A7F10"/>
+                </a:solidFill>
+                <a:latin typeface="Calibri" panose="020F0502020204030204" pitchFamily="34" charset="0"/>
+              </a:rPr>
+              <a:t>SYSTEM LEVEL BLOCK DIAGRAM</a:t>
+            </a:r>
+            <a:endParaRPr lang="en-US" sz="6700" b="1" dirty="0">
+              <a:solidFill>
+                <a:srgbClr val="6A7F10"/>
+              </a:solidFill>
+              <a:latin typeface="Calibri" panose="020F0502020204030204" pitchFamily="34" charset="0"/>
+            </a:endParaRPr>
+          </a:p>
+        </p:txBody>
+      </p:sp>
+      <p:sp>
+        <p:nvSpPr>
+          <p:cNvPr id="23" name="TextBox 22"/>
+          <p:cNvSpPr txBox="1"/>
+          <p:nvPr/>
+        </p:nvSpPr>
+        <p:spPr>
+          <a:xfrm>
+            <a:off x="1071610" y="22369352"/>
+            <a:ext cx="12429149" cy="3231616"/>
+          </a:xfrm>
+          <a:prstGeom prst="rect">
+            <a:avLst/>
+          </a:prstGeom>
+          <a:noFill/>
+        </p:spPr>
+        <p:txBody>
+          <a:bodyPr wrap="square" lIns="91411" tIns="45701" rIns="91411" bIns="45701" rtlCol="0">
+            <a:spAutoFit/>
+          </a:bodyPr>
+          <a:lstStyle/>
+          <a:p>
+            <a:pPr algn="just"/>
+            <a:r>
+              <a:rPr lang="en-US" sz="3400" dirty="0">
+                <a:latin typeface="Calibri" panose="020F0502020204030204" pitchFamily="34" charset="0"/>
+              </a:rPr>
+              <a:t>To eliminate human error from the existing structure the controls would need to be automated and the overall system would need to be streamlined for practical use</a:t>
+            </a:r>
+            <a:r>
+              <a:rPr lang="en-US" sz="3400" dirty="0" smtClean="0">
+                <a:latin typeface="Calibri" panose="020F0502020204030204" pitchFamily="34" charset="0"/>
+              </a:rPr>
+              <a:t>. However, we did not want to fully eliminate the ability for manually controlled tracking. The </a:t>
+            </a:r>
+            <a:r>
+              <a:rPr lang="en-US" sz="3400" dirty="0">
+                <a:latin typeface="Calibri" panose="020F0502020204030204" pitchFamily="34" charset="0"/>
+              </a:rPr>
+              <a:t>incorporation of a video tracking system (Sightline SLA1500) was an ideal way to address this problem. </a:t>
+            </a:r>
+          </a:p>
+        </p:txBody>
+      </p:sp>
       <p:pic>
         <p:nvPicPr>
-          <p:cNvPr id="7" name="Picture 6"/>
+          <p:cNvPr id="6" name="Picture 5"/>
           <p:cNvPicPr>
             <a:picLocks noChangeAspect="1"/>
           </p:cNvPicPr>
@@ -3904,8 +3967,8 @@
         </p:blipFill>
         <p:spPr>
           <a:xfrm>
-            <a:off x="30175200" y="6653775"/>
-            <a:ext cx="12801600" cy="7400697"/>
+            <a:off x="9332486" y="25232715"/>
+            <a:ext cx="3598522" cy="1005837"/>
           </a:xfrm>
           <a:prstGeom prst="rect">
             <a:avLst/>
@@ -3914,14 +3977,61 @@
       </p:pic>
       <p:sp>
         <p:nvSpPr>
-          <p:cNvPr id="22" name="TextBox 21"/>
+          <p:cNvPr id="24" name="TextBox 23"/>
           <p:cNvSpPr txBox="1"/>
           <p:nvPr/>
         </p:nvSpPr>
         <p:spPr>
           <a:xfrm>
+            <a:off x="30175200" y="6509750"/>
+            <a:ext cx="11507136" cy="2185175"/>
+          </a:xfrm>
+          <a:prstGeom prst="rect">
+            <a:avLst/>
+          </a:prstGeom>
+          <a:noFill/>
+        </p:spPr>
+        <p:txBody>
+          <a:bodyPr wrap="square" lIns="91411" tIns="45701" rIns="91411" bIns="45701" rtlCol="0">
+            <a:spAutoFit/>
+          </a:bodyPr>
+          <a:lstStyle/>
+          <a:p>
+            <a:pPr algn="just"/>
+            <a:r>
+              <a:rPr lang="en-US" sz="3400" dirty="0" smtClean="0">
+                <a:latin typeface="Calibri" panose="020F0502020204030204" pitchFamily="34" charset="0"/>
+              </a:rPr>
+              <a:t>We integrated the previous </a:t>
+            </a:r>
+            <a:r>
+              <a:rPr lang="en-US" sz="3400" dirty="0" err="1" smtClean="0">
+                <a:latin typeface="Calibri" panose="020F0502020204030204" pitchFamily="34" charset="0"/>
+              </a:rPr>
+              <a:t>RocketTracks</a:t>
+            </a:r>
+            <a:r>
+              <a:rPr lang="en-US" sz="3400" dirty="0" smtClean="0">
+                <a:latin typeface="Calibri" panose="020F0502020204030204" pitchFamily="34" charset="0"/>
+              </a:rPr>
+              <a:t> structure with the Sightline video tracking system through the use of an universal control board. We also designed several new components to the system including the use of an Ethernet interface.</a:t>
+            </a:r>
+            <a:endParaRPr lang="en-US" sz="3400" dirty="0">
+              <a:latin typeface="Calibri" panose="020F0502020204030204" pitchFamily="34" charset="0"/>
+            </a:endParaRPr>
+          </a:p>
+        </p:txBody>
+      </p:sp>
+      <p:sp>
+        <p:nvSpPr>
+          <p:cNvPr id="28" name="TextBox 27"/>
+          <p:cNvSpPr txBox="1"/>
+          <p:nvPr/>
+        </p:nvSpPr>
+        <p:spPr>
+          <a:xfrm>
             <a:off x="30175200" y="5385816"/>
-            <a:ext cx="8692888" cy="1123346"/>
+            <a:ext cx="9055638" cy="1123346"/>
           </a:xfrm>
           <a:prstGeom prst="rect">
             <a:avLst/>
@@ -3941,7 +4051,7 @@
                 </a:solidFill>
                 <a:latin typeface="Calibri" panose="020F0502020204030204" pitchFamily="34" charset="0"/>
               </a:rPr>
-              <a:t>BLOCK DIAGRAM</a:t>
+              <a:t>IMPLEMENTATION</a:t>
             </a:r>
             <a:endParaRPr lang="en-US" sz="6700" b="1" dirty="0">
               <a:solidFill>
@@ -3952,6 +4062,362 @@
           </a:p>
         </p:txBody>
       </p:sp>
+      <p:sp>
+        <p:nvSpPr>
+          <p:cNvPr id="31" name="TextBox 30"/>
+          <p:cNvSpPr txBox="1"/>
+          <p:nvPr/>
+        </p:nvSpPr>
+        <p:spPr>
+          <a:xfrm>
+            <a:off x="30175200" y="8974074"/>
+            <a:ext cx="5686425" cy="3754836"/>
+          </a:xfrm>
+          <a:prstGeom prst="rect">
+            <a:avLst/>
+          </a:prstGeom>
+          <a:noFill/>
+        </p:spPr>
+        <p:txBody>
+          <a:bodyPr wrap="square" lIns="91411" tIns="45701" rIns="91411" bIns="45701" rtlCol="0">
+            <a:spAutoFit/>
+          </a:bodyPr>
+          <a:lstStyle/>
+          <a:p>
+            <a:pPr algn="just"/>
+            <a:r>
+              <a:rPr lang="en-US" sz="3400" b="1" dirty="0" smtClean="0">
+                <a:latin typeface="Calibri" panose="020F0502020204030204" pitchFamily="34" charset="0"/>
+              </a:rPr>
+              <a:t>Existing technology:</a:t>
+            </a:r>
+          </a:p>
+          <a:p>
+            <a:pPr algn="just"/>
+            <a:endParaRPr lang="en-US" sz="3400" b="1" dirty="0" smtClean="0">
+              <a:latin typeface="Calibri" panose="020F0502020204030204" pitchFamily="34" charset="0"/>
+            </a:endParaRPr>
+          </a:p>
+          <a:p>
+            <a:pPr marL="571315" indent="-571315" algn="just">
+              <a:buClr>
+                <a:srgbClr val="6A7F10"/>
+              </a:buClr>
+              <a:buFont typeface="Arial" panose="020B0604020202020204" pitchFamily="34" charset="0"/>
+              <a:buChar char="•"/>
+            </a:pPr>
+            <a:r>
+              <a:rPr lang="en-US" sz="3400" dirty="0" smtClean="0">
+                <a:latin typeface="Calibri" panose="020F0502020204030204" pitchFamily="34" charset="0"/>
+              </a:rPr>
+              <a:t>Axis Motor Drivers</a:t>
+            </a:r>
+            <a:endParaRPr lang="en-US" sz="3400" dirty="0">
+              <a:latin typeface="Calibri" panose="020F0502020204030204" pitchFamily="34" charset="0"/>
+            </a:endParaRPr>
+          </a:p>
+          <a:p>
+            <a:pPr marL="571315" indent="-571315" algn="just">
+              <a:buClr>
+                <a:srgbClr val="6A7F10"/>
+              </a:buClr>
+              <a:buFont typeface="Arial" panose="020B0604020202020204" pitchFamily="34" charset="0"/>
+              <a:buChar char="•"/>
+            </a:pPr>
+            <a:r>
+              <a:rPr lang="en-US" sz="3400" dirty="0" smtClean="0">
+                <a:latin typeface="Calibri" panose="020F0502020204030204" pitchFamily="34" charset="0"/>
+              </a:rPr>
+              <a:t>Axis Position Sensors</a:t>
+            </a:r>
+            <a:endParaRPr lang="en-US" sz="3400" dirty="0">
+              <a:latin typeface="Calibri" panose="020F0502020204030204" pitchFamily="34" charset="0"/>
+            </a:endParaRPr>
+          </a:p>
+          <a:p>
+            <a:pPr marL="571315" indent="-571315" algn="just">
+              <a:buClr>
+                <a:srgbClr val="6A7F10"/>
+              </a:buClr>
+              <a:buFont typeface="Arial" panose="020B0604020202020204" pitchFamily="34" charset="0"/>
+              <a:buChar char="•"/>
+            </a:pPr>
+            <a:r>
+              <a:rPr lang="en-US" sz="3400" dirty="0" smtClean="0">
+                <a:latin typeface="Calibri" panose="020F0502020204030204" pitchFamily="34" charset="0"/>
+              </a:rPr>
+              <a:t>Sightline SLA-1500</a:t>
+            </a:r>
+          </a:p>
+          <a:p>
+            <a:pPr marL="571315" indent="-571315" algn="just">
+              <a:buClr>
+                <a:srgbClr val="6A7F10"/>
+              </a:buClr>
+              <a:buFont typeface="Arial" panose="020B0604020202020204" pitchFamily="34" charset="0"/>
+              <a:buChar char="•"/>
+            </a:pPr>
+            <a:r>
+              <a:rPr lang="en-US" sz="3400" dirty="0" smtClean="0">
+                <a:latin typeface="Calibri" panose="020F0502020204030204" pitchFamily="34" charset="0"/>
+              </a:rPr>
+              <a:t>DSLR Camera</a:t>
+            </a:r>
+            <a:endParaRPr lang="en-US" sz="3400" dirty="0">
+              <a:latin typeface="Calibri" panose="020F0502020204030204" pitchFamily="34" charset="0"/>
+            </a:endParaRPr>
+          </a:p>
+          <a:p>
+            <a:pPr algn="just"/>
+            <a:endParaRPr lang="en-US" sz="3400" dirty="0">
+              <a:latin typeface="Calibri" panose="020F0502020204030204" pitchFamily="34" charset="0"/>
+            </a:endParaRPr>
+          </a:p>
+        </p:txBody>
+      </p:sp>
+      <p:sp>
+        <p:nvSpPr>
+          <p:cNvPr id="32" name="TextBox 31"/>
+          <p:cNvSpPr txBox="1"/>
+          <p:nvPr/>
+        </p:nvSpPr>
+        <p:spPr>
+          <a:xfrm>
+            <a:off x="36585170" y="8974074"/>
+            <a:ext cx="5686425" cy="4278056"/>
+          </a:xfrm>
+          <a:prstGeom prst="rect">
+            <a:avLst/>
+          </a:prstGeom>
+          <a:noFill/>
+        </p:spPr>
+        <p:txBody>
+          <a:bodyPr wrap="square" lIns="91411" tIns="45701" rIns="91411" bIns="45701" rtlCol="0">
+            <a:spAutoFit/>
+          </a:bodyPr>
+          <a:lstStyle/>
+          <a:p>
+            <a:pPr algn="just"/>
+            <a:r>
+              <a:rPr lang="en-US" sz="3400" b="1" dirty="0" smtClean="0">
+                <a:latin typeface="Calibri" panose="020F0502020204030204" pitchFamily="34" charset="0"/>
+              </a:rPr>
+              <a:t>Designed by our team</a:t>
+            </a:r>
+          </a:p>
+          <a:p>
+            <a:pPr algn="just"/>
+            <a:endParaRPr lang="en-US" sz="3400" b="1" dirty="0" smtClean="0">
+              <a:latin typeface="Calibri" panose="020F0502020204030204" pitchFamily="34" charset="0"/>
+            </a:endParaRPr>
+          </a:p>
+          <a:p>
+            <a:pPr marL="571315" indent="-571315" algn="just">
+              <a:buClr>
+                <a:srgbClr val="6A7F10"/>
+              </a:buClr>
+              <a:buFont typeface="Arial" panose="020B0604020202020204" pitchFamily="34" charset="0"/>
+              <a:buChar char="•"/>
+            </a:pPr>
+            <a:r>
+              <a:rPr lang="en-US" sz="3400" dirty="0" smtClean="0">
+                <a:latin typeface="Calibri" panose="020F0502020204030204" pitchFamily="34" charset="0"/>
+              </a:rPr>
+              <a:t>Payload connector</a:t>
+            </a:r>
+            <a:endParaRPr lang="en-US" sz="3400" dirty="0">
+              <a:latin typeface="Calibri" panose="020F0502020204030204" pitchFamily="34" charset="0"/>
+            </a:endParaRPr>
+          </a:p>
+          <a:p>
+            <a:pPr marL="571315" indent="-571315" algn="just">
+              <a:buClr>
+                <a:srgbClr val="6A7F10"/>
+              </a:buClr>
+              <a:buFont typeface="Arial" panose="020B0604020202020204" pitchFamily="34" charset="0"/>
+              <a:buChar char="•"/>
+            </a:pPr>
+            <a:r>
+              <a:rPr lang="en-US" sz="3400" dirty="0" smtClean="0">
+                <a:latin typeface="Calibri" panose="020F0502020204030204" pitchFamily="34" charset="0"/>
+              </a:rPr>
+              <a:t>Ethernet PHY</a:t>
+            </a:r>
+            <a:endParaRPr lang="en-US" sz="3400" dirty="0">
+              <a:latin typeface="Calibri" panose="020F0502020204030204" pitchFamily="34" charset="0"/>
+            </a:endParaRPr>
+          </a:p>
+          <a:p>
+            <a:pPr marL="571315" indent="-571315" algn="just">
+              <a:buClr>
+                <a:srgbClr val="6A7F10"/>
+              </a:buClr>
+              <a:buFont typeface="Arial" panose="020B0604020202020204" pitchFamily="34" charset="0"/>
+              <a:buChar char="•"/>
+            </a:pPr>
+            <a:r>
+              <a:rPr lang="en-US" sz="3400" dirty="0" smtClean="0">
+                <a:latin typeface="Calibri" panose="020F0502020204030204" pitchFamily="34" charset="0"/>
+              </a:rPr>
+              <a:t>Manual Control Box</a:t>
+            </a:r>
+          </a:p>
+          <a:p>
+            <a:pPr marL="571315" indent="-571315" algn="just">
+              <a:buClr>
+                <a:srgbClr val="6A7F10"/>
+              </a:buClr>
+              <a:buFont typeface="Arial" panose="020B0604020202020204" pitchFamily="34" charset="0"/>
+              <a:buChar char="•"/>
+            </a:pPr>
+            <a:r>
+              <a:rPr lang="en-US" sz="3400" dirty="0" smtClean="0">
+                <a:latin typeface="Calibri" panose="020F0502020204030204" pitchFamily="34" charset="0"/>
+              </a:rPr>
+              <a:t>E-Stop</a:t>
+            </a:r>
+          </a:p>
+          <a:p>
+            <a:pPr marL="571315" indent="-571315" algn="just">
+              <a:buClr>
+                <a:srgbClr val="6A7F10"/>
+              </a:buClr>
+              <a:buFont typeface="Arial" panose="020B0604020202020204" pitchFamily="34" charset="0"/>
+              <a:buChar char="•"/>
+            </a:pPr>
+            <a:r>
+              <a:rPr lang="en-US" sz="3400" dirty="0" err="1" smtClean="0">
+                <a:latin typeface="Calibri" panose="020F0502020204030204" pitchFamily="34" charset="0"/>
+              </a:rPr>
+              <a:t>Precharge</a:t>
+            </a:r>
+            <a:r>
+              <a:rPr lang="en-US" sz="3400" dirty="0" smtClean="0">
+                <a:latin typeface="Calibri" panose="020F0502020204030204" pitchFamily="34" charset="0"/>
+              </a:rPr>
+              <a:t> Circuit</a:t>
+            </a:r>
+          </a:p>
+          <a:p>
+            <a:pPr marL="571315" indent="-571315" algn="just">
+              <a:buClr>
+                <a:srgbClr val="6A7F10"/>
+              </a:buClr>
+              <a:buFont typeface="Arial" panose="020B0604020202020204" pitchFamily="34" charset="0"/>
+              <a:buChar char="•"/>
+            </a:pPr>
+            <a:r>
+              <a:rPr lang="en-US" sz="3400" dirty="0" smtClean="0">
+                <a:latin typeface="Calibri" panose="020F0502020204030204" pitchFamily="34" charset="0"/>
+              </a:rPr>
+              <a:t>Power Filter</a:t>
+            </a:r>
+            <a:endParaRPr lang="en-US" sz="3400" dirty="0">
+              <a:latin typeface="Calibri" panose="020F0502020204030204" pitchFamily="34" charset="0"/>
+            </a:endParaRPr>
+          </a:p>
+        </p:txBody>
+      </p:sp>
+      <p:sp>
+        <p:nvSpPr>
+          <p:cNvPr id="33" name="TextBox 32"/>
+          <p:cNvSpPr txBox="1"/>
+          <p:nvPr/>
+        </p:nvSpPr>
+        <p:spPr>
+          <a:xfrm>
+            <a:off x="30175200" y="23495259"/>
+            <a:ext cx="12177963" cy="1123346"/>
+          </a:xfrm>
+          <a:prstGeom prst="rect">
+            <a:avLst/>
+          </a:prstGeom>
+          <a:noFill/>
+        </p:spPr>
+        <p:txBody>
+          <a:bodyPr wrap="square" lIns="91411" tIns="45701" rIns="91411" bIns="45701" rtlCol="0">
+            <a:spAutoFit/>
+          </a:bodyPr>
+          <a:lstStyle/>
+          <a:p>
+            <a:r>
+              <a:rPr lang="en-US" sz="6700" b="1" dirty="0" smtClean="0">
+                <a:solidFill>
+                  <a:srgbClr val="6A7F10"/>
+                </a:solidFill>
+                <a:latin typeface="Calibri" panose="020F0502020204030204" pitchFamily="34" charset="0"/>
+              </a:rPr>
+              <a:t>BOARD LEVEL BLOCK DIAGRAM</a:t>
+            </a:r>
+            <a:endParaRPr lang="en-US" sz="6700" b="1" dirty="0">
+              <a:solidFill>
+                <a:srgbClr val="6A7F10"/>
+              </a:solidFill>
+              <a:latin typeface="Calibri" panose="020F0502020204030204" pitchFamily="34" charset="0"/>
+            </a:endParaRPr>
+          </a:p>
+        </p:txBody>
+      </p:sp>
+      <p:pic>
+        <p:nvPicPr>
+          <p:cNvPr id="9" name="Picture 8"/>
+          <p:cNvPicPr>
+            <a:picLocks noChangeAspect="1"/>
+          </p:cNvPicPr>
+          <p:nvPr/>
+        </p:nvPicPr>
+        <p:blipFill>
+          <a:blip r:embed="rId7">
+            <a:extLst>
+              <a:ext uri="{28A0092B-C50C-407E-A947-70E740481C1C}">
+                <a14:useLocalDpi xmlns:a14="http://schemas.microsoft.com/office/drawing/2010/main" val="0"/>
+              </a:ext>
+            </a:extLst>
+          </a:blip>
+          <a:stretch>
+            <a:fillRect/>
+          </a:stretch>
+        </p:blipFill>
+        <p:spPr>
+          <a:xfrm>
+            <a:off x="30175200" y="24888213"/>
+            <a:ext cx="12146225" cy="7021820"/>
+          </a:xfrm>
+          <a:prstGeom prst="rect">
+            <a:avLst/>
+          </a:prstGeom>
+        </p:spPr>
+      </p:pic>
+      <p:pic>
+        <p:nvPicPr>
+          <p:cNvPr id="10" name="Picture 9"/>
+          <p:cNvPicPr>
+            <a:picLocks noChangeAspect="1"/>
+          </p:cNvPicPr>
+          <p:nvPr/>
+        </p:nvPicPr>
+        <p:blipFill>
+          <a:blip r:embed="rId8">
+            <a:extLst>
+              <a:ext uri="{28A0092B-C50C-407E-A947-70E740481C1C}">
+                <a14:useLocalDpi xmlns:a14="http://schemas.microsoft.com/office/drawing/2010/main" val="0"/>
+              </a:ext>
+            </a:extLst>
+          </a:blip>
+          <a:stretch>
+            <a:fillRect/>
+          </a:stretch>
+        </p:blipFill>
+        <p:spPr>
+          <a:xfrm>
+            <a:off x="30175200" y="14413576"/>
+            <a:ext cx="12143232" cy="8433572"/>
+          </a:xfrm>
+          <a:prstGeom prst="rect">
+            <a:avLst/>
+          </a:prstGeom>
+        </p:spPr>
+      </p:pic>
     </p:spTree>
   </p:cSld>
   <p:clrMapOvr>
